--- a/Lógica e Programação/Módulo 02 - JavaScript/Aula 14 - Estrutura de Repetição/Estruturas Condicionais.pptx
+++ b/Lógica e Programação/Módulo 02 - JavaScript/Aula 14 - Estrutura de Repetição/Estruturas Condicionais.pptx
@@ -236,7 +236,7 @@
           <a:p>
             <a:fld id="{0F28648D-752F-4D9E-8EC2-61293C3E9BC7}" type="datetimeFigureOut">
               <a:rPr lang="pt-BR" smtClean="0"/>
-              <a:t>21/03/2025</a:t>
+              <a:t>03/04/2025</a:t>
             </a:fld>
             <a:endParaRPr lang="pt-BR"/>
           </a:p>
@@ -413,7 +413,7 @@
           <a:p>
             <a:fld id="{C67E822F-2664-47C4-8404-83B1D4D0E6EE}" type="datetimeFigureOut">
               <a:rPr lang="pt-BR" smtClean="0"/>
-              <a:t>21/03/2025</a:t>
+              <a:t>03/04/2025</a:t>
             </a:fld>
             <a:endParaRPr lang="pt-BR"/>
           </a:p>
@@ -1116,7 +1116,7 @@
           <a:p>
             <a:fld id="{CDD55C27-F8C6-4481-8569-CAC50CAE9F1F}" type="datetimeFigureOut">
               <a:rPr lang="pt-BR" smtClean="0"/>
-              <a:t>21/03/2025</a:t>
+              <a:t>03/04/2025</a:t>
             </a:fld>
             <a:endParaRPr lang="pt-BR"/>
           </a:p>
@@ -1606,7 +1606,7 @@
           <a:p>
             <a:fld id="{CDD55C27-F8C6-4481-8569-CAC50CAE9F1F}" type="datetimeFigureOut">
               <a:rPr lang="pt-BR" smtClean="0"/>
-              <a:t>21/03/2025</a:t>
+              <a:t>03/04/2025</a:t>
             </a:fld>
             <a:endParaRPr lang="pt-BR"/>
           </a:p>
@@ -1909,7 +1909,7 @@
           <a:p>
             <a:fld id="{CDD55C27-F8C6-4481-8569-CAC50CAE9F1F}" type="datetimeFigureOut">
               <a:rPr lang="pt-BR" smtClean="0"/>
-              <a:t>21/03/2025</a:t>
+              <a:t>03/04/2025</a:t>
             </a:fld>
             <a:endParaRPr lang="pt-BR"/>
           </a:p>
@@ -2360,7 +2360,7 @@
           <a:p>
             <a:fld id="{CDD55C27-F8C6-4481-8569-CAC50CAE9F1F}" type="datetimeFigureOut">
               <a:rPr lang="pt-BR" smtClean="0"/>
-              <a:t>21/03/2025</a:t>
+              <a:t>03/04/2025</a:t>
             </a:fld>
             <a:endParaRPr lang="pt-BR"/>
           </a:p>
@@ -2533,7 +2533,7 @@
           <a:p>
             <a:fld id="{CDD55C27-F8C6-4481-8569-CAC50CAE9F1F}" type="datetimeFigureOut">
               <a:rPr lang="pt-BR" smtClean="0"/>
-              <a:t>21/03/2025</a:t>
+              <a:t>03/04/2025</a:t>
             </a:fld>
             <a:endParaRPr lang="pt-BR"/>
           </a:p>
@@ -2670,7 +2670,7 @@
           <a:p>
             <a:fld id="{CDD55C27-F8C6-4481-8569-CAC50CAE9F1F}" type="datetimeFigureOut">
               <a:rPr lang="pt-BR" smtClean="0"/>
-              <a:t>21/03/2025</a:t>
+              <a:t>03/04/2025</a:t>
             </a:fld>
             <a:endParaRPr lang="pt-BR"/>
           </a:p>
@@ -3014,7 +3014,7 @@
           <a:p>
             <a:fld id="{CDD55C27-F8C6-4481-8569-CAC50CAE9F1F}" type="datetimeFigureOut">
               <a:rPr lang="pt-BR" smtClean="0"/>
-              <a:t>21/03/2025</a:t>
+              <a:t>03/04/2025</a:t>
             </a:fld>
             <a:endParaRPr lang="pt-BR"/>
           </a:p>
@@ -3335,7 +3335,7 @@
           <a:p>
             <a:fld id="{CDD55C27-F8C6-4481-8569-CAC50CAE9F1F}" type="datetimeFigureOut">
               <a:rPr lang="pt-BR" smtClean="0"/>
-              <a:t>21/03/2025</a:t>
+              <a:t>03/04/2025</a:t>
             </a:fld>
             <a:endParaRPr lang="pt-BR"/>
           </a:p>
@@ -3901,7 +3901,7 @@
           <a:p>
             <a:r>
               <a:rPr lang="pt-BR" sz="5400" dirty="0"/>
-              <a:t>Estruturas Condicionais</a:t>
+              <a:t>Estruturas de Repetição</a:t>
             </a:r>
           </a:p>
         </p:txBody>
